--- a/other/WNet_arch.pptx
+++ b/other/WNet_arch.pptx
@@ -8,6 +8,7 @@
     <p:sldId id="256" r:id="rId2"/>
     <p:sldId id="257" r:id="rId3"/>
     <p:sldId id="258" r:id="rId4"/>
+    <p:sldId id="259" r:id="rId5"/>
   </p:sldIdLst>
   <p:sldSz cx="12192000" cy="6858000"/>
   <p:notesSz cx="6858000" cy="9144000"/>
@@ -10632,7 +10633,7 @@
         </p:nvSpPr>
         <p:spPr>
           <a:xfrm>
-            <a:off x="397981" y="266397"/>
+            <a:off x="420103" y="546617"/>
             <a:ext cx="5698019" cy="447283"/>
           </a:xfrm>
           <a:prstGeom prst="uturnArrow">
@@ -10691,7 +10692,7 @@
         </p:nvSpPr>
         <p:spPr>
           <a:xfrm>
-            <a:off x="397980" y="1104597"/>
+            <a:off x="420102" y="1384817"/>
             <a:ext cx="11396038" cy="447283"/>
           </a:xfrm>
           <a:prstGeom prst="uturnArrow">
@@ -10736,10 +10737,596 @@
           </a:p>
         </p:txBody>
       </p:sp>
+      <p:grpSp>
+        <p:nvGrpSpPr>
+          <p:cNvPr id="18" name="Group 17">
+            <a:extLst>
+              <a:ext uri="{FF2B5EF4-FFF2-40B4-BE49-F238E27FC236}">
+                <a16:creationId xmlns:a16="http://schemas.microsoft.com/office/drawing/2014/main" id="{173C4643-FB0B-1D3F-6F7F-40030611FC6C}"/>
+              </a:ext>
+            </a:extLst>
+          </p:cNvPr>
+          <p:cNvGrpSpPr/>
+          <p:nvPr/>
+        </p:nvGrpSpPr>
+        <p:grpSpPr>
+          <a:xfrm>
+            <a:off x="399302" y="1058198"/>
+            <a:ext cx="5837430" cy="402514"/>
+            <a:chOff x="460298" y="3808773"/>
+            <a:chExt cx="5837430" cy="402514"/>
+          </a:xfrm>
+        </p:grpSpPr>
+        <p:cxnSp>
+          <p:nvCxnSpPr>
+            <p:cNvPr id="3" name="Connector: Elbow 2">
+              <a:extLst>
+                <a:ext uri="{FF2B5EF4-FFF2-40B4-BE49-F238E27FC236}">
+                  <a16:creationId xmlns:a16="http://schemas.microsoft.com/office/drawing/2014/main" id="{CBB9D3B9-291F-9A42-9CB0-8FE6F9305517}"/>
+                </a:ext>
+              </a:extLst>
+            </p:cNvPr>
+            <p:cNvCxnSpPr>
+              <a:cxnSpLocks/>
+              <a:stCxn id="8" idx="0"/>
+              <a:endCxn id="15" idx="0"/>
+            </p:cNvCxnSpPr>
+            <p:nvPr/>
+          </p:nvCxnSpPr>
+          <p:spPr>
+            <a:xfrm rot="16200000" flipH="1" flipV="1">
+              <a:off x="3355444" y="1053187"/>
+              <a:ext cx="33181" cy="5544354"/>
+            </a:xfrm>
+            <a:prstGeom prst="bentConnector3">
+              <a:avLst>
+                <a:gd name="adj1" fmla="val -688948"/>
+              </a:avLst>
+            </a:prstGeom>
+            <a:ln w="57150">
+              <a:solidFill>
+                <a:srgbClr val="612F86"/>
+              </a:solidFill>
+              <a:tailEnd type="triangle"/>
+            </a:ln>
+          </p:spPr>
+          <p:style>
+            <a:lnRef idx="1">
+              <a:schemeClr val="accent1"/>
+            </a:lnRef>
+            <a:fillRef idx="0">
+              <a:schemeClr val="accent1"/>
+            </a:fillRef>
+            <a:effectRef idx="0">
+              <a:schemeClr val="accent1"/>
+            </a:effectRef>
+            <a:fontRef idx="minor">
+              <a:schemeClr val="tx1"/>
+            </a:fontRef>
+          </p:style>
+        </p:cxnSp>
+        <p:sp>
+          <p:nvSpPr>
+            <p:cNvPr id="8" name="TextBox 7">
+              <a:extLst>
+                <a:ext uri="{FF2B5EF4-FFF2-40B4-BE49-F238E27FC236}">
+                  <a16:creationId xmlns:a16="http://schemas.microsoft.com/office/drawing/2014/main" id="{2C6A4C7D-2612-7CA9-AAAA-C6712AB592F7}"/>
+                </a:ext>
+              </a:extLst>
+            </p:cNvPr>
+            <p:cNvSpPr txBox="1"/>
+            <p:nvPr/>
+          </p:nvSpPr>
+          <p:spPr>
+            <a:xfrm>
+              <a:off x="5990696" y="3808774"/>
+              <a:ext cx="307032" cy="369332"/>
+            </a:xfrm>
+            <a:prstGeom prst="rect">
+              <a:avLst/>
+            </a:prstGeom>
+            <a:noFill/>
+          </p:spPr>
+          <p:txBody>
+            <a:bodyPr wrap="square" rtlCol="0">
+              <a:spAutoFit/>
+            </a:bodyPr>
+            <a:lstStyle/>
+            <a:p>
+              <a:r>
+                <a:rPr lang="en-US" dirty="0"/>
+                <a:t>1</a:t>
+              </a:r>
+            </a:p>
+          </p:txBody>
+        </p:sp>
+        <p:sp>
+          <p:nvSpPr>
+            <p:cNvPr id="15" name="TextBox 14">
+              <a:extLst>
+                <a:ext uri="{FF2B5EF4-FFF2-40B4-BE49-F238E27FC236}">
+                  <a16:creationId xmlns:a16="http://schemas.microsoft.com/office/drawing/2014/main" id="{D30FDDFF-0DD9-2691-F781-8D33ABD8F40F}"/>
+                </a:ext>
+              </a:extLst>
+            </p:cNvPr>
+            <p:cNvSpPr txBox="1"/>
+            <p:nvPr/>
+          </p:nvSpPr>
+          <p:spPr>
+            <a:xfrm>
+              <a:off x="460298" y="3841955"/>
+              <a:ext cx="279120" cy="369332"/>
+            </a:xfrm>
+            <a:prstGeom prst="rect">
+              <a:avLst/>
+            </a:prstGeom>
+            <a:noFill/>
+          </p:spPr>
+          <p:txBody>
+            <a:bodyPr wrap="square" rtlCol="0">
+              <a:spAutoFit/>
+            </a:bodyPr>
+            <a:lstStyle/>
+            <a:p>
+              <a:r>
+                <a:rPr lang="en-US" dirty="0"/>
+                <a:t>2</a:t>
+              </a:r>
+            </a:p>
+          </p:txBody>
+        </p:sp>
+      </p:grpSp>
+      <p:grpSp>
+        <p:nvGrpSpPr>
+          <p:cNvPr id="22" name="Group 21">
+            <a:extLst>
+              <a:ext uri="{FF2B5EF4-FFF2-40B4-BE49-F238E27FC236}">
+                <a16:creationId xmlns:a16="http://schemas.microsoft.com/office/drawing/2014/main" id="{41318D8C-5594-62D0-35A0-1846B5E7069D}"/>
+              </a:ext>
+            </a:extLst>
+          </p:cNvPr>
+          <p:cNvGrpSpPr/>
+          <p:nvPr/>
+        </p:nvGrpSpPr>
+        <p:grpSpPr>
+          <a:xfrm>
+            <a:off x="247828" y="1924280"/>
+            <a:ext cx="11831101" cy="402514"/>
+            <a:chOff x="460298" y="3808773"/>
+            <a:chExt cx="5837430" cy="402514"/>
+          </a:xfrm>
+        </p:grpSpPr>
+        <p:cxnSp>
+          <p:nvCxnSpPr>
+            <p:cNvPr id="23" name="Connector: Elbow 22">
+              <a:extLst>
+                <a:ext uri="{FF2B5EF4-FFF2-40B4-BE49-F238E27FC236}">
+                  <a16:creationId xmlns:a16="http://schemas.microsoft.com/office/drawing/2014/main" id="{565ED84B-0FC6-9B30-D7C9-38EAAED57FA4}"/>
+                </a:ext>
+              </a:extLst>
+            </p:cNvPr>
+            <p:cNvCxnSpPr>
+              <a:cxnSpLocks/>
+              <a:stCxn id="24" idx="0"/>
+              <a:endCxn id="25" idx="0"/>
+            </p:cNvCxnSpPr>
+            <p:nvPr/>
+          </p:nvCxnSpPr>
+          <p:spPr>
+            <a:xfrm rot="16200000" flipH="1" flipV="1">
+              <a:off x="3355444" y="1053187"/>
+              <a:ext cx="33181" cy="5544354"/>
+            </a:xfrm>
+            <a:prstGeom prst="bentConnector3">
+              <a:avLst>
+                <a:gd name="adj1" fmla="val -688948"/>
+              </a:avLst>
+            </a:prstGeom>
+            <a:ln w="57150">
+              <a:solidFill>
+                <a:srgbClr val="798DB4"/>
+              </a:solidFill>
+              <a:tailEnd type="triangle"/>
+            </a:ln>
+          </p:spPr>
+          <p:style>
+            <a:lnRef idx="1">
+              <a:schemeClr val="accent1"/>
+            </a:lnRef>
+            <a:fillRef idx="0">
+              <a:schemeClr val="accent1"/>
+            </a:fillRef>
+            <a:effectRef idx="0">
+              <a:schemeClr val="accent1"/>
+            </a:effectRef>
+            <a:fontRef idx="minor">
+              <a:schemeClr val="tx1"/>
+            </a:fontRef>
+          </p:style>
+        </p:cxnSp>
+        <p:sp>
+          <p:nvSpPr>
+            <p:cNvPr id="24" name="TextBox 23">
+              <a:extLst>
+                <a:ext uri="{FF2B5EF4-FFF2-40B4-BE49-F238E27FC236}">
+                  <a16:creationId xmlns:a16="http://schemas.microsoft.com/office/drawing/2014/main" id="{C9053A15-5041-2901-CEB1-ED764B233E9D}"/>
+                </a:ext>
+              </a:extLst>
+            </p:cNvPr>
+            <p:cNvSpPr txBox="1"/>
+            <p:nvPr/>
+          </p:nvSpPr>
+          <p:spPr>
+            <a:xfrm>
+              <a:off x="5990696" y="3808774"/>
+              <a:ext cx="307032" cy="369332"/>
+            </a:xfrm>
+            <a:prstGeom prst="rect">
+              <a:avLst/>
+            </a:prstGeom>
+            <a:noFill/>
+          </p:spPr>
+          <p:txBody>
+            <a:bodyPr wrap="square" rtlCol="0">
+              <a:spAutoFit/>
+            </a:bodyPr>
+            <a:lstStyle/>
+            <a:p>
+              <a:r>
+                <a:rPr lang="en-US" dirty="0"/>
+                <a:t>1</a:t>
+              </a:r>
+            </a:p>
+          </p:txBody>
+        </p:sp>
+        <p:sp>
+          <p:nvSpPr>
+            <p:cNvPr id="25" name="TextBox 24">
+              <a:extLst>
+                <a:ext uri="{FF2B5EF4-FFF2-40B4-BE49-F238E27FC236}">
+                  <a16:creationId xmlns:a16="http://schemas.microsoft.com/office/drawing/2014/main" id="{9E8ED9E2-5E9F-CC08-3DA8-D2E518EB447F}"/>
+                </a:ext>
+              </a:extLst>
+            </p:cNvPr>
+            <p:cNvSpPr txBox="1"/>
+            <p:nvPr/>
+          </p:nvSpPr>
+          <p:spPr>
+            <a:xfrm>
+              <a:off x="460298" y="3841955"/>
+              <a:ext cx="279120" cy="369332"/>
+            </a:xfrm>
+            <a:prstGeom prst="rect">
+              <a:avLst/>
+            </a:prstGeom>
+            <a:noFill/>
+          </p:spPr>
+          <p:txBody>
+            <a:bodyPr wrap="square" rtlCol="0">
+              <a:spAutoFit/>
+            </a:bodyPr>
+            <a:lstStyle/>
+            <a:p>
+              <a:r>
+                <a:rPr lang="en-US" dirty="0"/>
+                <a:t>2</a:t>
+              </a:r>
+            </a:p>
+          </p:txBody>
+        </p:sp>
+      </p:grpSp>
     </p:spTree>
     <p:extLst>
       <p:ext uri="{BB962C8B-B14F-4D97-AF65-F5344CB8AC3E}">
         <p14:creationId xmlns:p14="http://schemas.microsoft.com/office/powerpoint/2010/main" val="3778423191"/>
+      </p:ext>
+    </p:extLst>
+  </p:cSld>
+  <p:clrMapOvr>
+    <a:masterClrMapping/>
+  </p:clrMapOvr>
+</p:sld>
+</file>
+
+<file path=ppt/slides/slide4.xml><?xml version="1.0" encoding="utf-8"?>
+<p:sld xmlns:a="http://schemas.openxmlformats.org/drawingml/2006/main" xmlns:r="http://schemas.openxmlformats.org/officeDocument/2006/relationships" xmlns:p="http://schemas.openxmlformats.org/presentationml/2006/main">
+  <p:cSld>
+    <p:spTree>
+      <p:nvGrpSpPr>
+        <p:cNvPr id="1" name=""/>
+        <p:cNvGrpSpPr/>
+        <p:nvPr/>
+      </p:nvGrpSpPr>
+      <p:grpSpPr>
+        <a:xfrm>
+          <a:off x="0" y="0"/>
+          <a:ext cx="0" cy="0"/>
+          <a:chOff x="0" y="0"/>
+          <a:chExt cx="0" cy="0"/>
+        </a:xfrm>
+      </p:grpSpPr>
+      <p:grpSp>
+        <p:nvGrpSpPr>
+          <p:cNvPr id="18" name="Group 17">
+            <a:extLst>
+              <a:ext uri="{FF2B5EF4-FFF2-40B4-BE49-F238E27FC236}">
+                <a16:creationId xmlns:a16="http://schemas.microsoft.com/office/drawing/2014/main" id="{173C4643-FB0B-1D3F-6F7F-40030611FC6C}"/>
+              </a:ext>
+            </a:extLst>
+          </p:cNvPr>
+          <p:cNvGrpSpPr/>
+          <p:nvPr/>
+        </p:nvGrpSpPr>
+        <p:grpSpPr>
+          <a:xfrm>
+            <a:off x="399302" y="1058198"/>
+            <a:ext cx="5837430" cy="402514"/>
+            <a:chOff x="460298" y="3808773"/>
+            <a:chExt cx="5837430" cy="402514"/>
+          </a:xfrm>
+        </p:grpSpPr>
+        <p:cxnSp>
+          <p:nvCxnSpPr>
+            <p:cNvPr id="3" name="Connector: Elbow 2">
+              <a:extLst>
+                <a:ext uri="{FF2B5EF4-FFF2-40B4-BE49-F238E27FC236}">
+                  <a16:creationId xmlns:a16="http://schemas.microsoft.com/office/drawing/2014/main" id="{CBB9D3B9-291F-9A42-9CB0-8FE6F9305517}"/>
+                </a:ext>
+              </a:extLst>
+            </p:cNvPr>
+            <p:cNvCxnSpPr>
+              <a:cxnSpLocks/>
+              <a:stCxn id="8" idx="0"/>
+              <a:endCxn id="15" idx="0"/>
+            </p:cNvCxnSpPr>
+            <p:nvPr/>
+          </p:nvCxnSpPr>
+          <p:spPr>
+            <a:xfrm rot="16200000" flipH="1" flipV="1">
+              <a:off x="3355444" y="1053187"/>
+              <a:ext cx="33181" cy="5544354"/>
+            </a:xfrm>
+            <a:prstGeom prst="bentConnector3">
+              <a:avLst>
+                <a:gd name="adj1" fmla="val -688948"/>
+              </a:avLst>
+            </a:prstGeom>
+            <a:ln w="57150">
+              <a:solidFill>
+                <a:srgbClr val="612F86"/>
+              </a:solidFill>
+              <a:tailEnd type="triangle"/>
+            </a:ln>
+          </p:spPr>
+          <p:style>
+            <a:lnRef idx="1">
+              <a:schemeClr val="accent1"/>
+            </a:lnRef>
+            <a:fillRef idx="0">
+              <a:schemeClr val="accent1"/>
+            </a:fillRef>
+            <a:effectRef idx="0">
+              <a:schemeClr val="accent1"/>
+            </a:effectRef>
+            <a:fontRef idx="minor">
+              <a:schemeClr val="tx1"/>
+            </a:fontRef>
+          </p:style>
+        </p:cxnSp>
+        <p:sp>
+          <p:nvSpPr>
+            <p:cNvPr id="8" name="TextBox 7">
+              <a:extLst>
+                <a:ext uri="{FF2B5EF4-FFF2-40B4-BE49-F238E27FC236}">
+                  <a16:creationId xmlns:a16="http://schemas.microsoft.com/office/drawing/2014/main" id="{2C6A4C7D-2612-7CA9-AAAA-C6712AB592F7}"/>
+                </a:ext>
+              </a:extLst>
+            </p:cNvPr>
+            <p:cNvSpPr txBox="1"/>
+            <p:nvPr/>
+          </p:nvSpPr>
+          <p:spPr>
+            <a:xfrm>
+              <a:off x="5990696" y="3808774"/>
+              <a:ext cx="307032" cy="369332"/>
+            </a:xfrm>
+            <a:prstGeom prst="rect">
+              <a:avLst/>
+            </a:prstGeom>
+            <a:noFill/>
+          </p:spPr>
+          <p:txBody>
+            <a:bodyPr wrap="square" rtlCol="0">
+              <a:spAutoFit/>
+            </a:bodyPr>
+            <a:lstStyle/>
+            <a:p>
+              <a:r>
+                <a:rPr lang="en-US" dirty="0"/>
+                <a:t>1</a:t>
+              </a:r>
+            </a:p>
+          </p:txBody>
+        </p:sp>
+        <p:sp>
+          <p:nvSpPr>
+            <p:cNvPr id="15" name="TextBox 14">
+              <a:extLst>
+                <a:ext uri="{FF2B5EF4-FFF2-40B4-BE49-F238E27FC236}">
+                  <a16:creationId xmlns:a16="http://schemas.microsoft.com/office/drawing/2014/main" id="{D30FDDFF-0DD9-2691-F781-8D33ABD8F40F}"/>
+                </a:ext>
+              </a:extLst>
+            </p:cNvPr>
+            <p:cNvSpPr txBox="1"/>
+            <p:nvPr/>
+          </p:nvSpPr>
+          <p:spPr>
+            <a:xfrm>
+              <a:off x="460298" y="3841955"/>
+              <a:ext cx="279120" cy="369332"/>
+            </a:xfrm>
+            <a:prstGeom prst="rect">
+              <a:avLst/>
+            </a:prstGeom>
+            <a:noFill/>
+          </p:spPr>
+          <p:txBody>
+            <a:bodyPr wrap="square" rtlCol="0">
+              <a:spAutoFit/>
+            </a:bodyPr>
+            <a:lstStyle/>
+            <a:p>
+              <a:r>
+                <a:rPr lang="en-US" dirty="0"/>
+                <a:t>2</a:t>
+              </a:r>
+            </a:p>
+          </p:txBody>
+        </p:sp>
+      </p:grpSp>
+      <p:grpSp>
+        <p:nvGrpSpPr>
+          <p:cNvPr id="22" name="Group 21">
+            <a:extLst>
+              <a:ext uri="{FF2B5EF4-FFF2-40B4-BE49-F238E27FC236}">
+                <a16:creationId xmlns:a16="http://schemas.microsoft.com/office/drawing/2014/main" id="{41318D8C-5594-62D0-35A0-1846B5E7069D}"/>
+              </a:ext>
+            </a:extLst>
+          </p:cNvPr>
+          <p:cNvGrpSpPr/>
+          <p:nvPr/>
+        </p:nvGrpSpPr>
+        <p:grpSpPr>
+          <a:xfrm>
+            <a:off x="247828" y="1924280"/>
+            <a:ext cx="11831101" cy="402514"/>
+            <a:chOff x="460298" y="3808773"/>
+            <a:chExt cx="5837430" cy="402514"/>
+          </a:xfrm>
+        </p:grpSpPr>
+        <p:cxnSp>
+          <p:nvCxnSpPr>
+            <p:cNvPr id="23" name="Connector: Elbow 22">
+              <a:extLst>
+                <a:ext uri="{FF2B5EF4-FFF2-40B4-BE49-F238E27FC236}">
+                  <a16:creationId xmlns:a16="http://schemas.microsoft.com/office/drawing/2014/main" id="{565ED84B-0FC6-9B30-D7C9-38EAAED57FA4}"/>
+                </a:ext>
+              </a:extLst>
+            </p:cNvPr>
+            <p:cNvCxnSpPr>
+              <a:cxnSpLocks/>
+              <a:stCxn id="24" idx="0"/>
+              <a:endCxn id="25" idx="0"/>
+            </p:cNvCxnSpPr>
+            <p:nvPr/>
+          </p:nvCxnSpPr>
+          <p:spPr>
+            <a:xfrm rot="16200000" flipH="1" flipV="1">
+              <a:off x="3355444" y="1053187"/>
+              <a:ext cx="33181" cy="5544354"/>
+            </a:xfrm>
+            <a:prstGeom prst="bentConnector3">
+              <a:avLst>
+                <a:gd name="adj1" fmla="val -688948"/>
+              </a:avLst>
+            </a:prstGeom>
+            <a:ln w="57150">
+              <a:solidFill>
+                <a:srgbClr val="798DB4"/>
+              </a:solidFill>
+              <a:tailEnd type="triangle"/>
+            </a:ln>
+          </p:spPr>
+          <p:style>
+            <a:lnRef idx="1">
+              <a:schemeClr val="accent1"/>
+            </a:lnRef>
+            <a:fillRef idx="0">
+              <a:schemeClr val="accent1"/>
+            </a:fillRef>
+            <a:effectRef idx="0">
+              <a:schemeClr val="accent1"/>
+            </a:effectRef>
+            <a:fontRef idx="minor">
+              <a:schemeClr val="tx1"/>
+            </a:fontRef>
+          </p:style>
+        </p:cxnSp>
+        <p:sp>
+          <p:nvSpPr>
+            <p:cNvPr id="24" name="TextBox 23">
+              <a:extLst>
+                <a:ext uri="{FF2B5EF4-FFF2-40B4-BE49-F238E27FC236}">
+                  <a16:creationId xmlns:a16="http://schemas.microsoft.com/office/drawing/2014/main" id="{C9053A15-5041-2901-CEB1-ED764B233E9D}"/>
+                </a:ext>
+              </a:extLst>
+            </p:cNvPr>
+            <p:cNvSpPr txBox="1"/>
+            <p:nvPr/>
+          </p:nvSpPr>
+          <p:spPr>
+            <a:xfrm>
+              <a:off x="5990696" y="3808774"/>
+              <a:ext cx="307032" cy="369332"/>
+            </a:xfrm>
+            <a:prstGeom prst="rect">
+              <a:avLst/>
+            </a:prstGeom>
+            <a:noFill/>
+          </p:spPr>
+          <p:txBody>
+            <a:bodyPr wrap="square" rtlCol="0">
+              <a:spAutoFit/>
+            </a:bodyPr>
+            <a:lstStyle/>
+            <a:p>
+              <a:r>
+                <a:rPr lang="en-US" dirty="0"/>
+                <a:t>1</a:t>
+              </a:r>
+            </a:p>
+          </p:txBody>
+        </p:sp>
+        <p:sp>
+          <p:nvSpPr>
+            <p:cNvPr id="25" name="TextBox 24">
+              <a:extLst>
+                <a:ext uri="{FF2B5EF4-FFF2-40B4-BE49-F238E27FC236}">
+                  <a16:creationId xmlns:a16="http://schemas.microsoft.com/office/drawing/2014/main" id="{9E8ED9E2-5E9F-CC08-3DA8-D2E518EB447F}"/>
+                </a:ext>
+              </a:extLst>
+            </p:cNvPr>
+            <p:cNvSpPr txBox="1"/>
+            <p:nvPr/>
+          </p:nvSpPr>
+          <p:spPr>
+            <a:xfrm>
+              <a:off x="460298" y="3841955"/>
+              <a:ext cx="279120" cy="369332"/>
+            </a:xfrm>
+            <a:prstGeom prst="rect">
+              <a:avLst/>
+            </a:prstGeom>
+            <a:noFill/>
+          </p:spPr>
+          <p:txBody>
+            <a:bodyPr wrap="square" rtlCol="0">
+              <a:spAutoFit/>
+            </a:bodyPr>
+            <a:lstStyle/>
+            <a:p>
+              <a:r>
+                <a:rPr lang="en-US" dirty="0"/>
+                <a:t>2</a:t>
+              </a:r>
+            </a:p>
+          </p:txBody>
+        </p:sp>
+      </p:grpSp>
+    </p:spTree>
+    <p:extLst>
+      <p:ext uri="{BB962C8B-B14F-4D97-AF65-F5344CB8AC3E}">
+        <p14:creationId xmlns:p14="http://schemas.microsoft.com/office/powerpoint/2010/main" val="145450065"/>
       </p:ext>
     </p:extLst>
   </p:cSld>
